--- a/L02/slidedeck-simple.pptx
+++ b/L02/slidedeck-simple.pptx
@@ -10,6 +10,8 @@
     <p:sldId id="258" r:id="rId4"/>
     <p:sldId id="259" r:id="rId5"/>
     <p:sldId id="260" r:id="rId6"/>
+    <p:sldId id="261" r:id="rId7"/>
+    <p:sldId id="262" r:id="rId8"/>
   </p:sldIdLst>
   <p:sldSz cx="12192000" cy="6858000"/>
   <p:notesSz cx="6858000" cy="9144000"/>
@@ -11120,6 +11122,667 @@
 </p:sld>
 </file>
 
+<file path=ppt/slides/slide6.xml><?xml version="1.0" encoding="utf-8"?>
+<p:sld xmlns:a="http://schemas.openxmlformats.org/drawingml/2006/main" xmlns:r="http://schemas.openxmlformats.org/officeDocument/2006/relationships" xmlns:p="http://schemas.openxmlformats.org/presentationml/2006/main">
+  <p:cSld>
+    <p:spTree>
+      <p:nvGrpSpPr>
+        <p:cNvPr id="1" name=""/>
+        <p:cNvGrpSpPr/>
+        <p:nvPr/>
+      </p:nvGrpSpPr>
+      <p:grpSpPr>
+        <a:xfrm>
+          <a:off x="0" y="0"/>
+          <a:ext cx="0" cy="0"/>
+          <a:chOff x="0" y="0"/>
+          <a:chExt cx="0" cy="0"/>
+        </a:xfrm>
+      </p:grpSpPr>
+      <p:sp>
+        <p:nvSpPr>
+          <p:cNvPr id="2" name="Titel 1">
+            <a:extLst>
+              <a:ext uri="{FF2B5EF4-FFF2-40B4-BE49-F238E27FC236}">
+                <a16:creationId xmlns:a16="http://schemas.microsoft.com/office/drawing/2014/main" id="{67A40BB4-7FD5-D8D8-2C7A-D9159E63582E}"/>
+              </a:ext>
+            </a:extLst>
+          </p:cNvPr>
+          <p:cNvSpPr>
+            <a:spLocks noGrp="1"/>
+          </p:cNvSpPr>
+          <p:nvPr>
+            <p:ph type="title"/>
+          </p:nvPr>
+        </p:nvSpPr>
+        <p:spPr/>
+        <p:txBody>
+          <a:bodyPr/>
+          <a:lstStyle/>
+          <a:p>
+            <a:r>
+              <a:rPr lang="de-DE" dirty="0" err="1"/>
+              <a:t>Only</a:t>
+            </a:r>
+            <a:r>
+              <a:rPr lang="de-DE" dirty="0"/>
+              <a:t> </a:t>
+            </a:r>
+            <a:r>
+              <a:rPr lang="de-DE" dirty="0" err="1"/>
+              <a:t>screenshots</a:t>
+            </a:r>
+            <a:r>
+              <a:rPr lang="de-DE" dirty="0"/>
+              <a:t> </a:t>
+            </a:r>
+            <a:r>
+              <a:rPr lang="de-DE" dirty="0" err="1"/>
+              <a:t>look</a:t>
+            </a:r>
+            <a:r>
+              <a:rPr lang="de-DE" dirty="0"/>
+              <a:t> </a:t>
+            </a:r>
+            <a:r>
+              <a:rPr lang="de-DE" dirty="0" err="1"/>
+              <a:t>good</a:t>
+            </a:r>
+            <a:endParaRPr lang="de-DE" dirty="0"/>
+          </a:p>
+        </p:txBody>
+      </p:sp>
+      <p:sp>
+        <p:nvSpPr>
+          <p:cNvPr id="3" name="Inhaltsplatzhalter 2">
+            <a:extLst>
+              <a:ext uri="{FF2B5EF4-FFF2-40B4-BE49-F238E27FC236}">
+                <a16:creationId xmlns:a16="http://schemas.microsoft.com/office/drawing/2014/main" id="{0866DBF9-01F4-D4A5-D8C9-817EF41C4A1D}"/>
+              </a:ext>
+            </a:extLst>
+          </p:cNvPr>
+          <p:cNvSpPr>
+            <a:spLocks noGrp="1"/>
+          </p:cNvSpPr>
+          <p:nvPr>
+            <p:ph idx="1"/>
+          </p:nvPr>
+        </p:nvSpPr>
+        <p:spPr>
+          <a:xfrm>
+            <a:off x="680321" y="2336873"/>
+            <a:ext cx="9613861" cy="2322213"/>
+          </a:xfrm>
+        </p:spPr>
+        <p:txBody>
+          <a:bodyPr/>
+          <a:lstStyle/>
+          <a:p>
+            <a:r>
+              <a:rPr lang="de-DE" dirty="0"/>
+              <a:t>/** * Python </a:t>
+            </a:r>
+            <a:r>
+              <a:rPr lang="de-DE" dirty="0" err="1"/>
+              <a:t>project</a:t>
+            </a:r>
+            <a:r>
+              <a:rPr lang="de-DE" dirty="0"/>
+              <a:t>. * * @</a:t>
+            </a:r>
+            <a:r>
+              <a:rPr lang="de-DE" dirty="0" err="1"/>
+              <a:t>pjid</a:t>
+            </a:r>
+            <a:r>
+              <a:rPr lang="de-DE" dirty="0"/>
+              <a:t> </a:t>
+            </a:r>
+            <a:r>
+              <a:rPr lang="de-DE" dirty="0" err="1"/>
+              <a:t>python</a:t>
+            </a:r>
+            <a:r>
+              <a:rPr lang="de-DE" dirty="0"/>
+              <a:t> */ </a:t>
+            </a:r>
+            <a:r>
+              <a:rPr lang="de-DE" dirty="0" err="1"/>
+              <a:t>class</a:t>
+            </a:r>
+            <a:r>
+              <a:rPr lang="de-DE" dirty="0"/>
+              <a:t> </a:t>
+            </a:r>
+            <a:r>
+              <a:rPr lang="de-DE" dirty="0" err="1"/>
+              <a:t>PythonProject</a:t>
+            </a:r>
+            <a:r>
+              <a:rPr lang="de-DE" dirty="0"/>
+              <a:t> </a:t>
+            </a:r>
+            <a:r>
+              <a:rPr lang="de-DE" dirty="0" err="1"/>
+              <a:t>extends</a:t>
+            </a:r>
+            <a:r>
+              <a:rPr lang="de-DE" dirty="0"/>
+              <a:t> github_1.GitHubProject { </a:t>
+            </a:r>
+            <a:r>
+              <a:rPr lang="de-DE" dirty="0" err="1"/>
+              <a:t>constructor</a:t>
+            </a:r>
+            <a:r>
+              <a:rPr lang="de-DE" dirty="0"/>
+              <a:t>(</a:t>
+            </a:r>
+            <a:r>
+              <a:rPr lang="de-DE" dirty="0" err="1"/>
+              <a:t>options</a:t>
+            </a:r>
+            <a:r>
+              <a:rPr lang="de-DE" dirty="0"/>
+              <a:t>) { super(</a:t>
+            </a:r>
+            <a:r>
+              <a:rPr lang="de-DE" dirty="0" err="1"/>
+              <a:t>options</a:t>
+            </a:r>
+            <a:r>
+              <a:rPr lang="de-DE" dirty="0"/>
+              <a:t>); </a:t>
+            </a:r>
+            <a:r>
+              <a:rPr lang="de-DE" dirty="0" err="1"/>
+              <a:t>if</a:t>
+            </a:r>
+            <a:r>
+              <a:rPr lang="de-DE" dirty="0"/>
+              <a:t> (!</a:t>
+            </a:r>
+            <a:r>
+              <a:rPr lang="de-DE" dirty="0" err="1"/>
+              <a:t>PYTHON_PROJECT_NAME_REGEX.test</a:t>
+            </a:r>
+            <a:r>
+              <a:rPr lang="de-DE" dirty="0"/>
+              <a:t>(</a:t>
+            </a:r>
+            <a:r>
+              <a:rPr lang="de-DE" dirty="0" err="1"/>
+              <a:t>options.name</a:t>
+            </a:r>
+            <a:r>
+              <a:rPr lang="de-DE" dirty="0"/>
+              <a:t>)) { </a:t>
+            </a:r>
+            <a:r>
+              <a:rPr lang="de-DE" dirty="0" err="1"/>
+              <a:t>throw</a:t>
+            </a:r>
+            <a:r>
+              <a:rPr lang="de-DE" dirty="0"/>
+              <a:t> </a:t>
+            </a:r>
+            <a:r>
+              <a:rPr lang="de-DE" dirty="0" err="1"/>
+              <a:t>new</a:t>
+            </a:r>
+            <a:r>
+              <a:rPr lang="de-DE" dirty="0"/>
+              <a:t> Error("Python </a:t>
+            </a:r>
+            <a:r>
+              <a:rPr lang="de-DE" dirty="0" err="1"/>
+              <a:t>projects</a:t>
+            </a:r>
+            <a:r>
+              <a:rPr lang="de-DE" dirty="0"/>
+              <a:t> </a:t>
+            </a:r>
+            <a:r>
+              <a:rPr lang="de-DE" dirty="0" err="1"/>
+              <a:t>must</a:t>
+            </a:r>
+            <a:r>
+              <a:rPr lang="de-DE" dirty="0"/>
+              <a:t> </a:t>
+            </a:r>
+            <a:r>
+              <a:rPr lang="de-DE" dirty="0" err="1"/>
+              <a:t>only</a:t>
+            </a:r>
+            <a:r>
+              <a:rPr lang="de-DE" dirty="0"/>
+              <a:t> </a:t>
+            </a:r>
+            <a:r>
+              <a:rPr lang="de-DE" dirty="0" err="1"/>
+              <a:t>consist</a:t>
+            </a:r>
+            <a:r>
+              <a:rPr lang="de-DE" dirty="0"/>
+              <a:t> </a:t>
+            </a:r>
+            <a:r>
+              <a:rPr lang="de-DE" dirty="0" err="1"/>
+              <a:t>of</a:t>
+            </a:r>
+            <a:r>
+              <a:rPr lang="de-DE" dirty="0"/>
+              <a:t> </a:t>
+            </a:r>
+            <a:r>
+              <a:rPr lang="de-DE" dirty="0" err="1"/>
+              <a:t>alphanumeric</a:t>
+            </a:r>
+            <a:r>
+              <a:rPr lang="de-DE" dirty="0"/>
+              <a:t> </a:t>
+            </a:r>
+            <a:r>
+              <a:rPr lang="de-DE" dirty="0" err="1"/>
+              <a:t>characters</a:t>
+            </a:r>
+            <a:r>
+              <a:rPr lang="de-DE" dirty="0"/>
+              <a:t>, </a:t>
+            </a:r>
+            <a:r>
+              <a:rPr lang="de-DE" dirty="0" err="1"/>
+              <a:t>hyphens</a:t>
+            </a:r>
+            <a:r>
+              <a:rPr lang="de-DE" dirty="0"/>
+              <a:t>, and </a:t>
+            </a:r>
+            <a:r>
+              <a:rPr lang="de-DE" dirty="0" err="1"/>
+              <a:t>underscores</a:t>
+            </a:r>
+            <a:r>
+              <a:rPr lang="de-DE" dirty="0"/>
+              <a:t>."); }</a:t>
+            </a:r>
+          </a:p>
+        </p:txBody>
+      </p:sp>
+      <p:pic>
+        <p:nvPicPr>
+          <p:cNvPr id="4" name="Grafik 3">
+            <a:extLst>
+              <a:ext uri="{FF2B5EF4-FFF2-40B4-BE49-F238E27FC236}">
+                <a16:creationId xmlns:a16="http://schemas.microsoft.com/office/drawing/2014/main" id="{90395476-089A-9C29-887F-4005BCE6E2D9}"/>
+              </a:ext>
+            </a:extLst>
+          </p:cNvPr>
+          <p:cNvPicPr>
+            <a:picLocks noChangeAspect="1"/>
+          </p:cNvPicPr>
+          <p:nvPr/>
+        </p:nvPicPr>
+        <p:blipFill>
+          <a:blip r:embed="rId2"/>
+          <a:stretch>
+            <a:fillRect/>
+          </a:stretch>
+        </p:blipFill>
+        <p:spPr>
+          <a:xfrm>
+            <a:off x="4148364" y="2880178"/>
+            <a:ext cx="7073900" cy="3035300"/>
+          </a:xfrm>
+          <a:prstGeom prst="rect">
+            <a:avLst/>
+          </a:prstGeom>
+        </p:spPr>
+      </p:pic>
+    </p:spTree>
+    <p:extLst>
+      <p:ext uri="{BB962C8B-B14F-4D97-AF65-F5344CB8AC3E}">
+        <p14:creationId xmlns:p14="http://schemas.microsoft.com/office/powerpoint/2010/main" val="1375353090"/>
+      </p:ext>
+    </p:extLst>
+  </p:cSld>
+  <p:clrMapOvr>
+    <a:masterClrMapping/>
+  </p:clrMapOvr>
+</p:sld>
+</file>
+
+<file path=ppt/slides/slide7.xml><?xml version="1.0" encoding="utf-8"?>
+<p:sld xmlns:a="http://schemas.openxmlformats.org/drawingml/2006/main" xmlns:r="http://schemas.openxmlformats.org/officeDocument/2006/relationships" xmlns:p="http://schemas.openxmlformats.org/presentationml/2006/main">
+  <p:cSld>
+    <p:spTree>
+      <p:nvGrpSpPr>
+        <p:cNvPr id="1" name=""/>
+        <p:cNvGrpSpPr/>
+        <p:nvPr/>
+      </p:nvGrpSpPr>
+      <p:grpSpPr>
+        <a:xfrm>
+          <a:off x="0" y="0"/>
+          <a:ext cx="0" cy="0"/>
+          <a:chOff x="0" y="0"/>
+          <a:chExt cx="0" cy="0"/>
+        </a:xfrm>
+      </p:grpSpPr>
+      <p:sp>
+        <p:nvSpPr>
+          <p:cNvPr id="2" name="Titel 1">
+            <a:extLst>
+              <a:ext uri="{FF2B5EF4-FFF2-40B4-BE49-F238E27FC236}">
+                <a16:creationId xmlns:a16="http://schemas.microsoft.com/office/drawing/2014/main" id="{225EAC2E-8EAF-6D29-0090-75E6B230B105}"/>
+              </a:ext>
+            </a:extLst>
+          </p:cNvPr>
+          <p:cNvSpPr>
+            <a:spLocks noGrp="1"/>
+          </p:cNvSpPr>
+          <p:nvPr>
+            <p:ph type="title"/>
+          </p:nvPr>
+        </p:nvSpPr>
+        <p:spPr/>
+        <p:txBody>
+          <a:bodyPr/>
+          <a:lstStyle/>
+          <a:p>
+            <a:endParaRPr lang="de-DE"/>
+          </a:p>
+        </p:txBody>
+      </p:sp>
+      <mc:AlternateContent xmlns:mc="http://schemas.openxmlformats.org/markup-compatibility/2006">
+        <mc:Choice xmlns:a14="http://schemas.microsoft.com/office/drawing/2010/main" Requires="a14">
+          <p:sp>
+            <p:nvSpPr>
+              <p:cNvPr id="4" name="Textfeld 3">
+                <a:extLst>
+                  <a:ext uri="{FF2B5EF4-FFF2-40B4-BE49-F238E27FC236}">
+                    <a16:creationId xmlns:a16="http://schemas.microsoft.com/office/drawing/2014/main" id="{FCAD98EB-D307-E741-51ED-449033519A4D}"/>
+                  </a:ext>
+                </a:extLst>
+              </p:cNvPr>
+              <p:cNvSpPr txBox="1"/>
+              <p:nvPr/>
+            </p:nvSpPr>
+            <p:spPr>
+              <a:xfrm>
+                <a:off x="3127512" y="2541828"/>
+                <a:ext cx="5936976" cy="756426"/>
+              </a:xfrm>
+              <a:prstGeom prst="rect">
+                <a:avLst/>
+              </a:prstGeom>
+              <a:noFill/>
+            </p:spPr>
+            <p:txBody>
+              <a:bodyPr wrap="square" lIns="0" tIns="0" rIns="0" bIns="0" rtlCol="0">
+                <a:spAutoFit/>
+              </a:bodyPr>
+              <a:lstStyle/>
+              <a:p>
+                <a14:m>
+                  <m:oMathPara xmlns:m="http://schemas.openxmlformats.org/officeDocument/2006/math">
+                    <m:oMathParaPr>
+                      <m:jc m:val="centerGroup"/>
+                    </m:oMathParaPr>
+                    <m:oMath xmlns:m="http://schemas.openxmlformats.org/officeDocument/2006/math">
+                      <m:sSup>
+                        <m:sSupPr>
+                          <m:ctrlPr>
+                            <a:rPr lang="de-DE" i="1" smtClean="0">
+                              <a:latin typeface="Cambria Math" panose="02040503050406030204" pitchFamily="18" charset="0"/>
+                            </a:rPr>
+                          </m:ctrlPr>
+                        </m:sSupPr>
+                        <m:e>
+                          <m:d>
+                            <m:dPr>
+                              <m:ctrlPr>
+                                <a:rPr lang="de-DE" i="1" smtClean="0">
+                                  <a:latin typeface="Cambria Math" panose="02040503050406030204" pitchFamily="18" charset="0"/>
+                                </a:rPr>
+                              </m:ctrlPr>
+                            </m:dPr>
+                            <m:e>
+                              <m:r>
+                                <a:rPr lang="de-DE" i="1" smtClean="0">
+                                  <a:latin typeface="Cambria Math" panose="02040503050406030204" pitchFamily="18" charset="0"/>
+                                </a:rPr>
+                                <m:t>𝑥</m:t>
+                              </m:r>
+                              <m:r>
+                                <a:rPr lang="de-DE" i="1" smtClean="0">
+                                  <a:latin typeface="Cambria Math" panose="02040503050406030204" pitchFamily="18" charset="0"/>
+                                </a:rPr>
+                                <m:t>+</m:t>
+                              </m:r>
+                              <m:r>
+                                <a:rPr lang="de-DE" i="1" smtClean="0">
+                                  <a:latin typeface="Cambria Math" panose="02040503050406030204" pitchFamily="18" charset="0"/>
+                                </a:rPr>
+                                <m:t>𝑎</m:t>
+                              </m:r>
+                            </m:e>
+                          </m:d>
+                        </m:e>
+                        <m:sup>
+                          <m:r>
+                            <a:rPr lang="de-DE" i="1" smtClean="0">
+                              <a:latin typeface="Cambria Math" panose="02040503050406030204" pitchFamily="18" charset="0"/>
+                            </a:rPr>
+                            <m:t>𝑛</m:t>
+                          </m:r>
+                        </m:sup>
+                      </m:sSup>
+                      <m:r>
+                        <a:rPr lang="de-DE" i="1" smtClean="0">
+                          <a:latin typeface="Cambria Math" panose="02040503050406030204" pitchFamily="18" charset="0"/>
+                        </a:rPr>
+                        <m:t>=</m:t>
+                      </m:r>
+                      <m:nary>
+                        <m:naryPr>
+                          <m:chr m:val="∑"/>
+                          <m:ctrlPr>
+                            <a:rPr lang="de-DE" i="1" smtClean="0">
+                              <a:latin typeface="Cambria Math" panose="02040503050406030204" pitchFamily="18" charset="0"/>
+                            </a:rPr>
+                          </m:ctrlPr>
+                        </m:naryPr>
+                        <m:sub>
+                          <m:r>
+                            <a:rPr lang="de-DE" i="1" smtClean="0">
+                              <a:latin typeface="Cambria Math" panose="02040503050406030204" pitchFamily="18" charset="0"/>
+                            </a:rPr>
+                            <m:t>𝑘</m:t>
+                          </m:r>
+                          <m:r>
+                            <a:rPr lang="de-DE" i="1" smtClean="0">
+                              <a:latin typeface="Cambria Math" panose="02040503050406030204" pitchFamily="18" charset="0"/>
+                            </a:rPr>
+                            <m:t>=0</m:t>
+                          </m:r>
+                        </m:sub>
+                        <m:sup>
+                          <m:r>
+                            <a:rPr lang="de-DE" i="1" smtClean="0">
+                              <a:latin typeface="Cambria Math" panose="02040503050406030204" pitchFamily="18" charset="0"/>
+                            </a:rPr>
+                            <m:t>𝑛</m:t>
+                          </m:r>
+                        </m:sup>
+                        <m:e>
+                          <m:d>
+                            <m:dPr>
+                              <m:ctrlPr>
+                                <a:rPr lang="de-DE" i="1" smtClean="0">
+                                  <a:latin typeface="Cambria Math" panose="02040503050406030204" pitchFamily="18" charset="0"/>
+                                </a:rPr>
+                              </m:ctrlPr>
+                            </m:dPr>
+                            <m:e>
+                              <m:f>
+                                <m:fPr>
+                                  <m:type m:val="noBar"/>
+                                  <m:ctrlPr>
+                                    <a:rPr lang="de-DE" i="1" smtClean="0">
+                                      <a:latin typeface="Cambria Math" panose="02040503050406030204" pitchFamily="18" charset="0"/>
+                                    </a:rPr>
+                                  </m:ctrlPr>
+                                </m:fPr>
+                                <m:num>
+                                  <m:r>
+                                    <a:rPr lang="de-DE" i="1" smtClean="0">
+                                      <a:latin typeface="Cambria Math" panose="02040503050406030204" pitchFamily="18" charset="0"/>
+                                    </a:rPr>
+                                    <m:t>𝑛</m:t>
+                                  </m:r>
+                                </m:num>
+                                <m:den>
+                                  <m:r>
+                                    <a:rPr lang="de-DE" i="1" smtClean="0">
+                                      <a:latin typeface="Cambria Math" panose="02040503050406030204" pitchFamily="18" charset="0"/>
+                                    </a:rPr>
+                                    <m:t>𝑘</m:t>
+                                  </m:r>
+                                </m:den>
+                              </m:f>
+                            </m:e>
+                          </m:d>
+                          <m:sSup>
+                            <m:sSupPr>
+                              <m:ctrlPr>
+                                <a:rPr lang="de-DE" i="1" smtClean="0">
+                                  <a:latin typeface="Cambria Math" panose="02040503050406030204" pitchFamily="18" charset="0"/>
+                                </a:rPr>
+                              </m:ctrlPr>
+                            </m:sSupPr>
+                            <m:e>
+                              <m:r>
+                                <a:rPr lang="de-DE" i="1" smtClean="0">
+                                  <a:latin typeface="Cambria Math" panose="02040503050406030204" pitchFamily="18" charset="0"/>
+                                </a:rPr>
+                                <m:t>𝑥</m:t>
+                              </m:r>
+                            </m:e>
+                            <m:sup>
+                              <m:r>
+                                <a:rPr lang="de-DE" i="1" smtClean="0">
+                                  <a:latin typeface="Cambria Math" panose="02040503050406030204" pitchFamily="18" charset="0"/>
+                                </a:rPr>
+                                <m:t>𝑘</m:t>
+                              </m:r>
+                            </m:sup>
+                          </m:sSup>
+                          <m:sSup>
+                            <m:sSupPr>
+                              <m:ctrlPr>
+                                <a:rPr lang="de-DE" i="1" smtClean="0">
+                                  <a:latin typeface="Cambria Math" panose="02040503050406030204" pitchFamily="18" charset="0"/>
+                                </a:rPr>
+                              </m:ctrlPr>
+                            </m:sSupPr>
+                            <m:e>
+                              <m:r>
+                                <a:rPr lang="de-DE" i="1" smtClean="0">
+                                  <a:latin typeface="Cambria Math" panose="02040503050406030204" pitchFamily="18" charset="0"/>
+                                </a:rPr>
+                                <m:t>𝑎</m:t>
+                              </m:r>
+                            </m:e>
+                            <m:sup>
+                              <m:r>
+                                <a:rPr lang="de-DE" i="1" smtClean="0">
+                                  <a:latin typeface="Cambria Math" panose="02040503050406030204" pitchFamily="18" charset="0"/>
+                                </a:rPr>
+                                <m:t>𝑛</m:t>
+                              </m:r>
+                              <m:r>
+                                <a:rPr lang="de-DE" i="1" smtClean="0">
+                                  <a:latin typeface="Cambria Math" panose="02040503050406030204" pitchFamily="18" charset="0"/>
+                                </a:rPr>
+                                <m:t>−</m:t>
+                              </m:r>
+                              <m:r>
+                                <a:rPr lang="de-DE" i="1" smtClean="0">
+                                  <a:latin typeface="Cambria Math" panose="02040503050406030204" pitchFamily="18" charset="0"/>
+                                </a:rPr>
+                                <m:t>𝑘</m:t>
+                              </m:r>
+                            </m:sup>
+                          </m:sSup>
+                        </m:e>
+                      </m:nary>
+                    </m:oMath>
+                  </m:oMathPara>
+                </a14:m>
+                <a:endParaRPr lang="de-DE" dirty="0"/>
+              </a:p>
+            </p:txBody>
+          </p:sp>
+        </mc:Choice>
+        <mc:Fallback>
+          <p:sp>
+            <p:nvSpPr>
+              <p:cNvPr id="4" name="Textfeld 3">
+                <a:extLst>
+                  <a:ext uri="{FF2B5EF4-FFF2-40B4-BE49-F238E27FC236}">
+                    <a16:creationId xmlns:a16="http://schemas.microsoft.com/office/drawing/2014/main" id="{FCAD98EB-D307-E741-51ED-449033519A4D}"/>
+                  </a:ext>
+                </a:extLst>
+              </p:cNvPr>
+              <p:cNvSpPr txBox="1">
+                <a:spLocks noRot="1" noChangeAspect="1" noMove="1" noResize="1" noEditPoints="1" noAdjustHandles="1" noChangeArrowheads="1" noChangeShapeType="1" noTextEdit="1"/>
+              </p:cNvSpPr>
+              <p:nvPr/>
+            </p:nvSpPr>
+            <p:spPr>
+              <a:xfrm>
+                <a:off x="3127512" y="2541828"/>
+                <a:ext cx="5936976" cy="756426"/>
+              </a:xfrm>
+              <a:prstGeom prst="rect">
+                <a:avLst/>
+              </a:prstGeom>
+              <a:blipFill>
+                <a:blip r:embed="rId2"/>
+                <a:stretch>
+                  <a:fillRect t="-118333" b="-180000"/>
+                </a:stretch>
+              </a:blipFill>
+            </p:spPr>
+            <p:txBody>
+              <a:bodyPr/>
+              <a:lstStyle/>
+              <a:p>
+                <a:r>
+                  <a:rPr lang="de-DE">
+                    <a:noFill/>
+                  </a:rPr>
+                  <a:t> </a:t>
+                </a:r>
+              </a:p>
+            </p:txBody>
+          </p:sp>
+        </mc:Fallback>
+      </mc:AlternateContent>
+    </p:spTree>
+    <p:extLst>
+      <p:ext uri="{BB962C8B-B14F-4D97-AF65-F5344CB8AC3E}">
+        <p14:creationId xmlns:p14="http://schemas.microsoft.com/office/powerpoint/2010/main" val="2966626642"/>
+      </p:ext>
+    </p:extLst>
+  </p:cSld>
+  <p:clrMapOvr>
+    <a:masterClrMapping/>
+  </p:clrMapOvr>
+</p:sld>
+</file>
+
 <file path=ppt/theme/theme1.xml><?xml version="1.0" encoding="utf-8"?>
 <a:theme xmlns:a="http://schemas.openxmlformats.org/drawingml/2006/main" name="Berlin">
   <a:themeElements>
